--- a/Apresentação_Material_Escolar.pptx
+++ b/Apresentação_Material_Escolar.pptx
@@ -5,10 +5,10 @@
     <p:sldMasterId id="2147483660" r:id="rId1"/>
   </p:sldMasterIdLst>
   <p:notesMasterIdLst>
-    <p:notesMasterId r:id="rId8"/>
+    <p:notesMasterId r:id="rId14"/>
   </p:notesMasterIdLst>
   <p:handoutMasterIdLst>
-    <p:handoutMasterId r:id="rId9"/>
+    <p:handoutMasterId r:id="rId15"/>
   </p:handoutMasterIdLst>
   <p:sldIdLst>
     <p:sldId id="264" r:id="rId2"/>
@@ -17,6 +17,12 @@
     <p:sldId id="276" r:id="rId5"/>
     <p:sldId id="281" r:id="rId6"/>
     <p:sldId id="284" r:id="rId7"/>
+    <p:sldId id="285" r:id="rId8"/>
+    <p:sldId id="286" r:id="rId9"/>
+    <p:sldId id="287" r:id="rId10"/>
+    <p:sldId id="288" r:id="rId11"/>
+    <p:sldId id="289" r:id="rId12"/>
+    <p:sldId id="290" r:id="rId13"/>
   </p:sldIdLst>
   <p:sldSz cx="12188825" cy="6858000"/>
   <p:notesSz cx="6858000" cy="9144000"/>
@@ -250,7 +256,7 @@
                   <a:schemeClr val="tx2"/>
                 </a:solidFill>
               </a:rPr>
-              <a:t>3/2/2020</a:t>
+              <a:t>3/9/2020</a:t>
             </a:fld>
             <a:endParaRPr>
               <a:solidFill>
@@ -440,7 +446,7 @@
             <a:fld id="{F95CF31C-F757-429C-A789-86504F04C3BE}" type="datetimeFigureOut">
               <a:rPr lang="en-US"/>
               <a:pPr/>
-              <a:t>3/2/2020</a:t>
+              <a:t>3/9/2020</a:t>
             </a:fld>
             <a:endParaRPr/>
           </a:p>
@@ -971,6 +977,516 @@
 </p:notes>
 </file>
 
+<file path=ppt/notesSlides/notesSlide4.xml><?xml version="1.0" encoding="utf-8"?>
+<p:notes xmlns:a="http://schemas.openxmlformats.org/drawingml/2006/main" xmlns:r="http://schemas.openxmlformats.org/officeDocument/2006/relationships" xmlns:p="http://schemas.openxmlformats.org/presentationml/2006/main">
+  <p:cSld>
+    <p:spTree>
+      <p:nvGrpSpPr>
+        <p:cNvPr id="1" name=""/>
+        <p:cNvGrpSpPr/>
+        <p:nvPr/>
+      </p:nvGrpSpPr>
+      <p:grpSpPr>
+        <a:xfrm>
+          <a:off x="0" y="0"/>
+          <a:ext cx="0" cy="0"/>
+          <a:chOff x="0" y="0"/>
+          <a:chExt cx="0" cy="0"/>
+        </a:xfrm>
+      </p:grpSpPr>
+      <p:sp>
+        <p:nvSpPr>
+          <p:cNvPr id="2" name="Slide Image Placeholder 1"/>
+          <p:cNvSpPr>
+            <a:spLocks noGrp="1" noRot="1" noChangeAspect="1"/>
+          </p:cNvSpPr>
+          <p:nvPr>
+            <p:ph type="sldImg"/>
+          </p:nvPr>
+        </p:nvSpPr>
+        <p:spPr/>
+      </p:sp>
+      <p:sp>
+        <p:nvSpPr>
+          <p:cNvPr id="3" name="Notes Placeholder 2"/>
+          <p:cNvSpPr>
+            <a:spLocks noGrp="1"/>
+          </p:cNvSpPr>
+          <p:nvPr>
+            <p:ph type="body" idx="1"/>
+          </p:nvPr>
+        </p:nvSpPr>
+        <p:spPr/>
+        <p:txBody>
+          <a:bodyPr/>
+          <a:lstStyle/>
+          <a:p>
+            <a:endParaRPr lang="en-US" dirty="0"/>
+          </a:p>
+        </p:txBody>
+      </p:sp>
+      <p:sp>
+        <p:nvSpPr>
+          <p:cNvPr id="4" name="Slide Number Placeholder 3"/>
+          <p:cNvSpPr>
+            <a:spLocks noGrp="1"/>
+          </p:cNvSpPr>
+          <p:nvPr>
+            <p:ph type="sldNum" sz="quarter" idx="10"/>
+          </p:nvPr>
+        </p:nvSpPr>
+        <p:spPr/>
+        <p:txBody>
+          <a:bodyPr/>
+          <a:lstStyle/>
+          <a:p>
+            <a:fld id="{B8796F01-7154-41E0-B48B-A6921757531A}" type="slidenum">
+              <a:rPr lang="en-US" smtClean="0"/>
+              <a:pPr/>
+              <a:t>7</a:t>
+            </a:fld>
+            <a:endParaRPr lang="en-US"/>
+          </a:p>
+        </p:txBody>
+      </p:sp>
+    </p:spTree>
+    <p:extLst>
+      <p:ext uri="{BB962C8B-B14F-4D97-AF65-F5344CB8AC3E}">
+        <p14:creationId xmlns:p14="http://schemas.microsoft.com/office/powerpoint/2010/main" val="705344393"/>
+      </p:ext>
+    </p:extLst>
+  </p:cSld>
+  <p:clrMapOvr>
+    <a:masterClrMapping/>
+  </p:clrMapOvr>
+</p:notes>
+</file>
+
+<file path=ppt/notesSlides/notesSlide5.xml><?xml version="1.0" encoding="utf-8"?>
+<p:notes xmlns:a="http://schemas.openxmlformats.org/drawingml/2006/main" xmlns:r="http://schemas.openxmlformats.org/officeDocument/2006/relationships" xmlns:p="http://schemas.openxmlformats.org/presentationml/2006/main">
+  <p:cSld>
+    <p:spTree>
+      <p:nvGrpSpPr>
+        <p:cNvPr id="1" name=""/>
+        <p:cNvGrpSpPr/>
+        <p:nvPr/>
+      </p:nvGrpSpPr>
+      <p:grpSpPr>
+        <a:xfrm>
+          <a:off x="0" y="0"/>
+          <a:ext cx="0" cy="0"/>
+          <a:chOff x="0" y="0"/>
+          <a:chExt cx="0" cy="0"/>
+        </a:xfrm>
+      </p:grpSpPr>
+      <p:sp>
+        <p:nvSpPr>
+          <p:cNvPr id="2" name="Slide Image Placeholder 1"/>
+          <p:cNvSpPr>
+            <a:spLocks noGrp="1" noRot="1" noChangeAspect="1"/>
+          </p:cNvSpPr>
+          <p:nvPr>
+            <p:ph type="sldImg"/>
+          </p:nvPr>
+        </p:nvSpPr>
+        <p:spPr/>
+      </p:sp>
+      <p:sp>
+        <p:nvSpPr>
+          <p:cNvPr id="3" name="Notes Placeholder 2"/>
+          <p:cNvSpPr>
+            <a:spLocks noGrp="1"/>
+          </p:cNvSpPr>
+          <p:nvPr>
+            <p:ph type="body" idx="1"/>
+          </p:nvPr>
+        </p:nvSpPr>
+        <p:spPr/>
+        <p:txBody>
+          <a:bodyPr/>
+          <a:lstStyle/>
+          <a:p>
+            <a:endParaRPr lang="en-US" dirty="0"/>
+          </a:p>
+        </p:txBody>
+      </p:sp>
+      <p:sp>
+        <p:nvSpPr>
+          <p:cNvPr id="4" name="Slide Number Placeholder 3"/>
+          <p:cNvSpPr>
+            <a:spLocks noGrp="1"/>
+          </p:cNvSpPr>
+          <p:nvPr>
+            <p:ph type="sldNum" sz="quarter" idx="10"/>
+          </p:nvPr>
+        </p:nvSpPr>
+        <p:spPr/>
+        <p:txBody>
+          <a:bodyPr/>
+          <a:lstStyle/>
+          <a:p>
+            <a:fld id="{B8796F01-7154-41E0-B48B-A6921757531A}" type="slidenum">
+              <a:rPr lang="en-US" smtClean="0"/>
+              <a:pPr/>
+              <a:t>8</a:t>
+            </a:fld>
+            <a:endParaRPr lang="en-US"/>
+          </a:p>
+        </p:txBody>
+      </p:sp>
+    </p:spTree>
+    <p:extLst>
+      <p:ext uri="{BB962C8B-B14F-4D97-AF65-F5344CB8AC3E}">
+        <p14:creationId xmlns:p14="http://schemas.microsoft.com/office/powerpoint/2010/main" val="4255970247"/>
+      </p:ext>
+    </p:extLst>
+  </p:cSld>
+  <p:clrMapOvr>
+    <a:masterClrMapping/>
+  </p:clrMapOvr>
+</p:notes>
+</file>
+
+<file path=ppt/notesSlides/notesSlide6.xml><?xml version="1.0" encoding="utf-8"?>
+<p:notes xmlns:a="http://schemas.openxmlformats.org/drawingml/2006/main" xmlns:r="http://schemas.openxmlformats.org/officeDocument/2006/relationships" xmlns:p="http://schemas.openxmlformats.org/presentationml/2006/main">
+  <p:cSld>
+    <p:spTree>
+      <p:nvGrpSpPr>
+        <p:cNvPr id="1" name=""/>
+        <p:cNvGrpSpPr/>
+        <p:nvPr/>
+      </p:nvGrpSpPr>
+      <p:grpSpPr>
+        <a:xfrm>
+          <a:off x="0" y="0"/>
+          <a:ext cx="0" cy="0"/>
+          <a:chOff x="0" y="0"/>
+          <a:chExt cx="0" cy="0"/>
+        </a:xfrm>
+      </p:grpSpPr>
+      <p:sp>
+        <p:nvSpPr>
+          <p:cNvPr id="2" name="Slide Image Placeholder 1"/>
+          <p:cNvSpPr>
+            <a:spLocks noGrp="1" noRot="1" noChangeAspect="1"/>
+          </p:cNvSpPr>
+          <p:nvPr>
+            <p:ph type="sldImg"/>
+          </p:nvPr>
+        </p:nvSpPr>
+        <p:spPr/>
+      </p:sp>
+      <p:sp>
+        <p:nvSpPr>
+          <p:cNvPr id="3" name="Notes Placeholder 2"/>
+          <p:cNvSpPr>
+            <a:spLocks noGrp="1"/>
+          </p:cNvSpPr>
+          <p:nvPr>
+            <p:ph type="body" idx="1"/>
+          </p:nvPr>
+        </p:nvSpPr>
+        <p:spPr/>
+        <p:txBody>
+          <a:bodyPr/>
+          <a:lstStyle/>
+          <a:p>
+            <a:endParaRPr lang="en-US" dirty="0"/>
+          </a:p>
+        </p:txBody>
+      </p:sp>
+      <p:sp>
+        <p:nvSpPr>
+          <p:cNvPr id="4" name="Slide Number Placeholder 3"/>
+          <p:cNvSpPr>
+            <a:spLocks noGrp="1"/>
+          </p:cNvSpPr>
+          <p:nvPr>
+            <p:ph type="sldNum" sz="quarter" idx="10"/>
+          </p:nvPr>
+        </p:nvSpPr>
+        <p:spPr/>
+        <p:txBody>
+          <a:bodyPr/>
+          <a:lstStyle/>
+          <a:p>
+            <a:fld id="{B8796F01-7154-41E0-B48B-A6921757531A}" type="slidenum">
+              <a:rPr lang="en-US" smtClean="0"/>
+              <a:pPr/>
+              <a:t>9</a:t>
+            </a:fld>
+            <a:endParaRPr lang="en-US"/>
+          </a:p>
+        </p:txBody>
+      </p:sp>
+    </p:spTree>
+    <p:extLst>
+      <p:ext uri="{BB962C8B-B14F-4D97-AF65-F5344CB8AC3E}">
+        <p14:creationId xmlns:p14="http://schemas.microsoft.com/office/powerpoint/2010/main" val="627083411"/>
+      </p:ext>
+    </p:extLst>
+  </p:cSld>
+  <p:clrMapOvr>
+    <a:masterClrMapping/>
+  </p:clrMapOvr>
+</p:notes>
+</file>
+
+<file path=ppt/notesSlides/notesSlide7.xml><?xml version="1.0" encoding="utf-8"?>
+<p:notes xmlns:a="http://schemas.openxmlformats.org/drawingml/2006/main" xmlns:r="http://schemas.openxmlformats.org/officeDocument/2006/relationships" xmlns:p="http://schemas.openxmlformats.org/presentationml/2006/main">
+  <p:cSld>
+    <p:spTree>
+      <p:nvGrpSpPr>
+        <p:cNvPr id="1" name=""/>
+        <p:cNvGrpSpPr/>
+        <p:nvPr/>
+      </p:nvGrpSpPr>
+      <p:grpSpPr>
+        <a:xfrm>
+          <a:off x="0" y="0"/>
+          <a:ext cx="0" cy="0"/>
+          <a:chOff x="0" y="0"/>
+          <a:chExt cx="0" cy="0"/>
+        </a:xfrm>
+      </p:grpSpPr>
+      <p:sp>
+        <p:nvSpPr>
+          <p:cNvPr id="2" name="Slide Image Placeholder 1"/>
+          <p:cNvSpPr>
+            <a:spLocks noGrp="1" noRot="1" noChangeAspect="1"/>
+          </p:cNvSpPr>
+          <p:nvPr>
+            <p:ph type="sldImg"/>
+          </p:nvPr>
+        </p:nvSpPr>
+        <p:spPr/>
+      </p:sp>
+      <p:sp>
+        <p:nvSpPr>
+          <p:cNvPr id="3" name="Notes Placeholder 2"/>
+          <p:cNvSpPr>
+            <a:spLocks noGrp="1"/>
+          </p:cNvSpPr>
+          <p:nvPr>
+            <p:ph type="body" idx="1"/>
+          </p:nvPr>
+        </p:nvSpPr>
+        <p:spPr/>
+        <p:txBody>
+          <a:bodyPr/>
+          <a:lstStyle/>
+          <a:p>
+            <a:endParaRPr lang="en-US" dirty="0"/>
+          </a:p>
+        </p:txBody>
+      </p:sp>
+      <p:sp>
+        <p:nvSpPr>
+          <p:cNvPr id="4" name="Slide Number Placeholder 3"/>
+          <p:cNvSpPr>
+            <a:spLocks noGrp="1"/>
+          </p:cNvSpPr>
+          <p:nvPr>
+            <p:ph type="sldNum" sz="quarter" idx="10"/>
+          </p:nvPr>
+        </p:nvSpPr>
+        <p:spPr/>
+        <p:txBody>
+          <a:bodyPr/>
+          <a:lstStyle/>
+          <a:p>
+            <a:fld id="{B8796F01-7154-41E0-B48B-A6921757531A}" type="slidenum">
+              <a:rPr lang="en-US" smtClean="0"/>
+              <a:pPr/>
+              <a:t>10</a:t>
+            </a:fld>
+            <a:endParaRPr lang="en-US"/>
+          </a:p>
+        </p:txBody>
+      </p:sp>
+    </p:spTree>
+    <p:extLst>
+      <p:ext uri="{BB962C8B-B14F-4D97-AF65-F5344CB8AC3E}">
+        <p14:creationId xmlns:p14="http://schemas.microsoft.com/office/powerpoint/2010/main" val="3587625997"/>
+      </p:ext>
+    </p:extLst>
+  </p:cSld>
+  <p:clrMapOvr>
+    <a:masterClrMapping/>
+  </p:clrMapOvr>
+</p:notes>
+</file>
+
+<file path=ppt/notesSlides/notesSlide8.xml><?xml version="1.0" encoding="utf-8"?>
+<p:notes xmlns:a="http://schemas.openxmlformats.org/drawingml/2006/main" xmlns:r="http://schemas.openxmlformats.org/officeDocument/2006/relationships" xmlns:p="http://schemas.openxmlformats.org/presentationml/2006/main">
+  <p:cSld>
+    <p:spTree>
+      <p:nvGrpSpPr>
+        <p:cNvPr id="1" name=""/>
+        <p:cNvGrpSpPr/>
+        <p:nvPr/>
+      </p:nvGrpSpPr>
+      <p:grpSpPr>
+        <a:xfrm>
+          <a:off x="0" y="0"/>
+          <a:ext cx="0" cy="0"/>
+          <a:chOff x="0" y="0"/>
+          <a:chExt cx="0" cy="0"/>
+        </a:xfrm>
+      </p:grpSpPr>
+      <p:sp>
+        <p:nvSpPr>
+          <p:cNvPr id="2" name="Slide Image Placeholder 1"/>
+          <p:cNvSpPr>
+            <a:spLocks noGrp="1" noRot="1" noChangeAspect="1"/>
+          </p:cNvSpPr>
+          <p:nvPr>
+            <p:ph type="sldImg"/>
+          </p:nvPr>
+        </p:nvSpPr>
+        <p:spPr/>
+      </p:sp>
+      <p:sp>
+        <p:nvSpPr>
+          <p:cNvPr id="3" name="Notes Placeholder 2"/>
+          <p:cNvSpPr>
+            <a:spLocks noGrp="1"/>
+          </p:cNvSpPr>
+          <p:nvPr>
+            <p:ph type="body" idx="1"/>
+          </p:nvPr>
+        </p:nvSpPr>
+        <p:spPr/>
+        <p:txBody>
+          <a:bodyPr/>
+          <a:lstStyle/>
+          <a:p>
+            <a:endParaRPr lang="en-US" dirty="0"/>
+          </a:p>
+        </p:txBody>
+      </p:sp>
+      <p:sp>
+        <p:nvSpPr>
+          <p:cNvPr id="4" name="Slide Number Placeholder 3"/>
+          <p:cNvSpPr>
+            <a:spLocks noGrp="1"/>
+          </p:cNvSpPr>
+          <p:nvPr>
+            <p:ph type="sldNum" sz="quarter" idx="10"/>
+          </p:nvPr>
+        </p:nvSpPr>
+        <p:spPr/>
+        <p:txBody>
+          <a:bodyPr/>
+          <a:lstStyle/>
+          <a:p>
+            <a:fld id="{B8796F01-7154-41E0-B48B-A6921757531A}" type="slidenum">
+              <a:rPr lang="en-US" smtClean="0"/>
+              <a:pPr/>
+              <a:t>11</a:t>
+            </a:fld>
+            <a:endParaRPr lang="en-US"/>
+          </a:p>
+        </p:txBody>
+      </p:sp>
+    </p:spTree>
+    <p:extLst>
+      <p:ext uri="{BB962C8B-B14F-4D97-AF65-F5344CB8AC3E}">
+        <p14:creationId xmlns:p14="http://schemas.microsoft.com/office/powerpoint/2010/main" val="3494317293"/>
+      </p:ext>
+    </p:extLst>
+  </p:cSld>
+  <p:clrMapOvr>
+    <a:masterClrMapping/>
+  </p:clrMapOvr>
+</p:notes>
+</file>
+
+<file path=ppt/notesSlides/notesSlide9.xml><?xml version="1.0" encoding="utf-8"?>
+<p:notes xmlns:a="http://schemas.openxmlformats.org/drawingml/2006/main" xmlns:r="http://schemas.openxmlformats.org/officeDocument/2006/relationships" xmlns:p="http://schemas.openxmlformats.org/presentationml/2006/main">
+  <p:cSld>
+    <p:spTree>
+      <p:nvGrpSpPr>
+        <p:cNvPr id="1" name=""/>
+        <p:cNvGrpSpPr/>
+        <p:nvPr/>
+      </p:nvGrpSpPr>
+      <p:grpSpPr>
+        <a:xfrm>
+          <a:off x="0" y="0"/>
+          <a:ext cx="0" cy="0"/>
+          <a:chOff x="0" y="0"/>
+          <a:chExt cx="0" cy="0"/>
+        </a:xfrm>
+      </p:grpSpPr>
+      <p:sp>
+        <p:nvSpPr>
+          <p:cNvPr id="2" name="Slide Image Placeholder 1"/>
+          <p:cNvSpPr>
+            <a:spLocks noGrp="1" noRot="1" noChangeAspect="1"/>
+          </p:cNvSpPr>
+          <p:nvPr>
+            <p:ph type="sldImg"/>
+          </p:nvPr>
+        </p:nvSpPr>
+        <p:spPr/>
+      </p:sp>
+      <p:sp>
+        <p:nvSpPr>
+          <p:cNvPr id="3" name="Notes Placeholder 2"/>
+          <p:cNvSpPr>
+            <a:spLocks noGrp="1"/>
+          </p:cNvSpPr>
+          <p:nvPr>
+            <p:ph type="body" idx="1"/>
+          </p:nvPr>
+        </p:nvSpPr>
+        <p:spPr/>
+        <p:txBody>
+          <a:bodyPr/>
+          <a:lstStyle/>
+          <a:p>
+            <a:endParaRPr lang="en-US" dirty="0"/>
+          </a:p>
+        </p:txBody>
+      </p:sp>
+      <p:sp>
+        <p:nvSpPr>
+          <p:cNvPr id="4" name="Slide Number Placeholder 3"/>
+          <p:cNvSpPr>
+            <a:spLocks noGrp="1"/>
+          </p:cNvSpPr>
+          <p:nvPr>
+            <p:ph type="sldNum" sz="quarter" idx="10"/>
+          </p:nvPr>
+        </p:nvSpPr>
+        <p:spPr/>
+        <p:txBody>
+          <a:bodyPr/>
+          <a:lstStyle/>
+          <a:p>
+            <a:fld id="{B8796F01-7154-41E0-B48B-A6921757531A}" type="slidenum">
+              <a:rPr lang="en-US" smtClean="0"/>
+              <a:pPr/>
+              <a:t>12</a:t>
+            </a:fld>
+            <a:endParaRPr lang="en-US"/>
+          </a:p>
+        </p:txBody>
+      </p:sp>
+    </p:spTree>
+    <p:extLst>
+      <p:ext uri="{BB962C8B-B14F-4D97-AF65-F5344CB8AC3E}">
+        <p14:creationId xmlns:p14="http://schemas.microsoft.com/office/powerpoint/2010/main" val="626268710"/>
+      </p:ext>
+    </p:extLst>
+  </p:cSld>
+  <p:clrMapOvr>
+    <a:masterClrMapping/>
+  </p:clrMapOvr>
+</p:notes>
+</file>
+
 <file path=ppt/slideLayouts/slideLayout1.xml><?xml version="1.0" encoding="utf-8"?>
 <p:sldLayout xmlns:a="http://schemas.openxmlformats.org/drawingml/2006/main" xmlns:r="http://schemas.openxmlformats.org/officeDocument/2006/relationships" xmlns:p="http://schemas.openxmlformats.org/presentationml/2006/main" showMasterSp="0" type="title" preserve="1">
   <p:cSld name="Title Slide">
@@ -1295,7 +1811,7 @@
           <a:p>
             <a:fld id="{7AECB6C2-1084-4AED-A74A-DF028B0094EA}" type="datetimeFigureOut">
               <a:rPr lang="en-US"/>
-              <a:t>3/2/2020</a:t>
+              <a:t>3/9/2020</a:t>
             </a:fld>
             <a:endParaRPr/>
           </a:p>
@@ -1487,7 +2003,7 @@
           <a:p>
             <a:fld id="{7AECB6C2-1084-4AED-A74A-DF028B0094EA}" type="datetimeFigureOut">
               <a:rPr lang="en-US"/>
-              <a:t>3/2/2020</a:t>
+              <a:t>3/9/2020</a:t>
             </a:fld>
             <a:endParaRPr/>
           </a:p>
@@ -1685,7 +2201,7 @@
           <a:p>
             <a:fld id="{8B5A30F4-0B4E-4E4B-BC36-C30CD13F4E17}" type="datetimeFigureOut">
               <a:rPr lang="en-US"/>
-              <a:t>3/2/2020</a:t>
+              <a:t>3/9/2020</a:t>
             </a:fld>
             <a:endParaRPr dirty="0"/>
           </a:p>
@@ -2202,7 +2718,7 @@
           <a:p>
             <a:fld id="{2DD204D1-F9BD-4643-8480-6EA41EB484F1}" type="datetimeFigureOut">
               <a:rPr lang="en-US"/>
-              <a:t>3/2/2020</a:t>
+              <a:t>3/9/2020</a:t>
             </a:fld>
             <a:endParaRPr/>
           </a:p>
@@ -2650,7 +3166,7 @@
           <a:p>
             <a:fld id="{2DD204D1-F9BD-4643-8480-6EA41EB484F1}" type="datetimeFigureOut">
               <a:rPr lang="en-US"/>
-              <a:t>3/2/2020</a:t>
+              <a:t>3/9/2020</a:t>
             </a:fld>
             <a:endParaRPr/>
           </a:p>
@@ -2780,7 +3296,7 @@
           <a:p>
             <a:fld id="{2DD204D1-F9BD-4643-8480-6EA41EB484F1}" type="datetimeFigureOut">
               <a:rPr lang="en-US"/>
-              <a:t>3/2/2020</a:t>
+              <a:t>3/9/2020</a:t>
             </a:fld>
             <a:endParaRPr/>
           </a:p>
@@ -2887,7 +3403,7 @@
           <a:p>
             <a:fld id="{2DD204D1-F9BD-4643-8480-6EA41EB484F1}" type="datetimeFigureOut">
               <a:rPr lang="en-US"/>
-              <a:t>3/2/2020</a:t>
+              <a:t>3/9/2020</a:t>
             </a:fld>
             <a:endParaRPr/>
           </a:p>
@@ -3244,7 +3760,7 @@
           <a:p>
             <a:fld id="{126BF754-515F-40B9-8D24-D54D5825B3D0}" type="datetimeFigureOut">
               <a:rPr lang="en-US"/>
-              <a:t>3/2/2020</a:t>
+              <a:t>3/9/2020</a:t>
             </a:fld>
             <a:endParaRPr/>
           </a:p>
@@ -3581,7 +4097,7 @@
           <a:p>
             <a:fld id="{126BF754-515F-40B9-8D24-D54D5825B3D0}" type="datetimeFigureOut">
               <a:rPr lang="en-US"/>
-              <a:t>3/2/2020</a:t>
+              <a:t>3/9/2020</a:t>
             </a:fld>
             <a:endParaRPr/>
           </a:p>
@@ -3876,7 +4392,7 @@
             <a:fld id="{2DD204D1-F9BD-4643-8480-6EA41EB484F1}" type="datetimeFigureOut">
               <a:rPr lang="en-US" smtClean="0"/>
               <a:pPr/>
-              <a:t>3/2/2020</a:t>
+              <a:t>3/9/2020</a:t>
             </a:fld>
             <a:endParaRPr lang="en-US"/>
           </a:p>
@@ -4338,8 +4854,12 @@
           <a:lstStyle/>
           <a:p>
             <a:r>
+              <a:rPr lang="en-US" dirty="0" err="1" smtClean="0"/>
+              <a:t>Livros</a:t>
+            </a:r>
+            <a:r>
               <a:rPr lang="en-US" dirty="0" smtClean="0"/>
-              <a:t>Material ++</a:t>
+              <a:t>++</a:t>
             </a:r>
             <a:endParaRPr lang="en-US" dirty="0"/>
           </a:p>
@@ -4384,6 +4904,377 @@
     <p:extLst>
       <p:ext uri="{BB962C8B-B14F-4D97-AF65-F5344CB8AC3E}">
         <p14:creationId xmlns:p14="http://schemas.microsoft.com/office/powerpoint/2010/main" val="3650340329"/>
+      </p:ext>
+    </p:extLst>
+  </p:cSld>
+  <p:clrMapOvr>
+    <a:masterClrMapping/>
+  </p:clrMapOvr>
+  <mc:AlternateContent xmlns:mc="http://schemas.openxmlformats.org/markup-compatibility/2006" xmlns:p14="http://schemas.microsoft.com/office/powerpoint/2010/main">
+    <mc:Choice Requires="p14">
+      <p:transition spd="med" p14:dur="700">
+        <p:fade/>
+      </p:transition>
+    </mc:Choice>
+    <mc:Fallback xmlns="">
+      <p:transition spd="med">
+        <p:fade/>
+      </p:transition>
+    </mc:Fallback>
+  </mc:AlternateContent>
+  <p:timing>
+    <p:tnLst>
+      <p:par>
+        <p:cTn id="1" dur="indefinite" restart="never" nodeType="tmRoot"/>
+      </p:par>
+    </p:tnLst>
+  </p:timing>
+</p:sld>
+</file>
+
+<file path=ppt/slides/slide10.xml><?xml version="1.0" encoding="utf-8"?>
+<p:sld xmlns:a="http://schemas.openxmlformats.org/drawingml/2006/main" xmlns:r="http://schemas.openxmlformats.org/officeDocument/2006/relationships" xmlns:p="http://schemas.openxmlformats.org/presentationml/2006/main">
+  <p:cSld>
+    <p:spTree>
+      <p:nvGrpSpPr>
+        <p:cNvPr id="1" name=""/>
+        <p:cNvGrpSpPr/>
+        <p:nvPr/>
+      </p:nvGrpSpPr>
+      <p:grpSpPr>
+        <a:xfrm>
+          <a:off x="0" y="0"/>
+          <a:ext cx="0" cy="0"/>
+          <a:chOff x="0" y="0"/>
+          <a:chExt cx="0" cy="0"/>
+        </a:xfrm>
+      </p:grpSpPr>
+      <p:sp>
+        <p:nvSpPr>
+          <p:cNvPr id="2" name="Title 1"/>
+          <p:cNvSpPr>
+            <a:spLocks noGrp="1"/>
+          </p:cNvSpPr>
+          <p:nvPr>
+            <p:ph type="title"/>
+          </p:nvPr>
+        </p:nvSpPr>
+        <p:spPr>
+          <a:xfrm>
+            <a:off x="261764" y="0"/>
+            <a:ext cx="10157354" cy="822194"/>
+          </a:xfrm>
+        </p:spPr>
+        <p:txBody>
+          <a:bodyPr/>
+          <a:lstStyle/>
+          <a:p>
+            <a:r>
+              <a:rPr lang="en-US" dirty="0" err="1" smtClean="0"/>
+              <a:t>Protótipos</a:t>
+            </a:r>
+            <a:r>
+              <a:rPr lang="en-US" dirty="0" smtClean="0"/>
+              <a:t> – </a:t>
+            </a:r>
+            <a:r>
+              <a:rPr lang="en-US" dirty="0" err="1" smtClean="0"/>
+              <a:t>Cadastro</a:t>
+            </a:r>
+            <a:r>
+              <a:rPr lang="en-US" dirty="0" smtClean="0"/>
+              <a:t> de </a:t>
+            </a:r>
+            <a:r>
+              <a:rPr lang="en-US" dirty="0" err="1" smtClean="0"/>
+              <a:t>livros</a:t>
+            </a:r>
+            <a:endParaRPr lang="en-US" dirty="0"/>
+          </a:p>
+        </p:txBody>
+      </p:sp>
+      <p:pic>
+        <p:nvPicPr>
+          <p:cNvPr id="3" name="Picture 2"/>
+          <p:cNvPicPr>
+            <a:picLocks noChangeAspect="1"/>
+          </p:cNvPicPr>
+          <p:nvPr/>
+        </p:nvPicPr>
+        <p:blipFill>
+          <a:blip r:embed="rId3">
+            <a:extLst>
+              <a:ext uri="{28A0092B-C50C-407E-A947-70E740481C1C}">
+                <a14:useLocalDpi xmlns:a14="http://schemas.microsoft.com/office/drawing/2010/main" val="0"/>
+              </a:ext>
+            </a:extLst>
+          </a:blip>
+          <a:stretch>
+            <a:fillRect/>
+          </a:stretch>
+        </p:blipFill>
+        <p:spPr>
+          <a:xfrm>
+            <a:off x="2205980" y="1700808"/>
+            <a:ext cx="7534275" cy="4391025"/>
+          </a:xfrm>
+          <a:prstGeom prst="rect">
+            <a:avLst/>
+          </a:prstGeom>
+        </p:spPr>
+      </p:pic>
+    </p:spTree>
+    <p:extLst>
+      <p:ext uri="{BB962C8B-B14F-4D97-AF65-F5344CB8AC3E}">
+        <p14:creationId xmlns:p14="http://schemas.microsoft.com/office/powerpoint/2010/main" val="2966940956"/>
+      </p:ext>
+    </p:extLst>
+  </p:cSld>
+  <p:clrMapOvr>
+    <a:masterClrMapping/>
+  </p:clrMapOvr>
+  <mc:AlternateContent xmlns:mc="http://schemas.openxmlformats.org/markup-compatibility/2006" xmlns:p14="http://schemas.microsoft.com/office/powerpoint/2010/main">
+    <mc:Choice Requires="p14">
+      <p:transition spd="med" p14:dur="700">
+        <p:fade/>
+      </p:transition>
+    </mc:Choice>
+    <mc:Fallback xmlns="">
+      <p:transition spd="med">
+        <p:fade/>
+      </p:transition>
+    </mc:Fallback>
+  </mc:AlternateContent>
+  <p:timing>
+    <p:tnLst>
+      <p:par>
+        <p:cTn id="1" dur="indefinite" restart="never" nodeType="tmRoot"/>
+      </p:par>
+    </p:tnLst>
+  </p:timing>
+</p:sld>
+</file>
+
+<file path=ppt/slides/slide11.xml><?xml version="1.0" encoding="utf-8"?>
+<p:sld xmlns:a="http://schemas.openxmlformats.org/drawingml/2006/main" xmlns:r="http://schemas.openxmlformats.org/officeDocument/2006/relationships" xmlns:p="http://schemas.openxmlformats.org/presentationml/2006/main">
+  <p:cSld>
+    <p:spTree>
+      <p:nvGrpSpPr>
+        <p:cNvPr id="1" name=""/>
+        <p:cNvGrpSpPr/>
+        <p:nvPr/>
+      </p:nvGrpSpPr>
+      <p:grpSpPr>
+        <a:xfrm>
+          <a:off x="0" y="0"/>
+          <a:ext cx="0" cy="0"/>
+          <a:chOff x="0" y="0"/>
+          <a:chExt cx="0" cy="0"/>
+        </a:xfrm>
+      </p:grpSpPr>
+      <p:sp>
+        <p:nvSpPr>
+          <p:cNvPr id="2" name="Title 1"/>
+          <p:cNvSpPr>
+            <a:spLocks noGrp="1"/>
+          </p:cNvSpPr>
+          <p:nvPr>
+            <p:ph type="title"/>
+          </p:nvPr>
+        </p:nvSpPr>
+        <p:spPr>
+          <a:xfrm>
+            <a:off x="261764" y="0"/>
+            <a:ext cx="10157354" cy="822194"/>
+          </a:xfrm>
+        </p:spPr>
+        <p:txBody>
+          <a:bodyPr>
+            <a:normAutofit fontScale="90000"/>
+          </a:bodyPr>
+          <a:lstStyle/>
+          <a:p>
+            <a:r>
+              <a:rPr lang="en-US" dirty="0" err="1" smtClean="0"/>
+              <a:t>Protótipos</a:t>
+            </a:r>
+            <a:r>
+              <a:rPr lang="en-US" dirty="0" smtClean="0"/>
+              <a:t> – </a:t>
+            </a:r>
+            <a:r>
+              <a:rPr lang="en-US" dirty="0" err="1" smtClean="0"/>
+              <a:t>Consulta</a:t>
+            </a:r>
+            <a:r>
+              <a:rPr lang="en-US" dirty="0" smtClean="0"/>
+              <a:t> </a:t>
+            </a:r>
+            <a:r>
+              <a:rPr lang="en-US" dirty="0" err="1" smtClean="0"/>
+              <a:t>disponibilidade</a:t>
+            </a:r>
+            <a:endParaRPr lang="en-US" dirty="0"/>
+          </a:p>
+        </p:txBody>
+      </p:sp>
+      <p:pic>
+        <p:nvPicPr>
+          <p:cNvPr id="3" name="Picture 2"/>
+          <p:cNvPicPr>
+            <a:picLocks noChangeAspect="1"/>
+          </p:cNvPicPr>
+          <p:nvPr/>
+        </p:nvPicPr>
+        <p:blipFill>
+          <a:blip r:embed="rId3">
+            <a:extLst>
+              <a:ext uri="{28A0092B-C50C-407E-A947-70E740481C1C}">
+                <a14:useLocalDpi xmlns:a14="http://schemas.microsoft.com/office/drawing/2010/main" val="0"/>
+              </a:ext>
+            </a:extLst>
+          </a:blip>
+          <a:stretch>
+            <a:fillRect/>
+          </a:stretch>
+        </p:blipFill>
+        <p:spPr>
+          <a:xfrm>
+            <a:off x="2277988" y="1772816"/>
+            <a:ext cx="7534275" cy="4391025"/>
+          </a:xfrm>
+          <a:prstGeom prst="rect">
+            <a:avLst/>
+          </a:prstGeom>
+        </p:spPr>
+      </p:pic>
+    </p:spTree>
+    <p:extLst>
+      <p:ext uri="{BB962C8B-B14F-4D97-AF65-F5344CB8AC3E}">
+        <p14:creationId xmlns:p14="http://schemas.microsoft.com/office/powerpoint/2010/main" val="1395913439"/>
+      </p:ext>
+    </p:extLst>
+  </p:cSld>
+  <p:clrMapOvr>
+    <a:masterClrMapping/>
+  </p:clrMapOvr>
+  <mc:AlternateContent xmlns:mc="http://schemas.openxmlformats.org/markup-compatibility/2006" xmlns:p14="http://schemas.microsoft.com/office/powerpoint/2010/main">
+    <mc:Choice Requires="p14">
+      <p:transition spd="med" p14:dur="700">
+        <p:fade/>
+      </p:transition>
+    </mc:Choice>
+    <mc:Fallback xmlns="">
+      <p:transition spd="med">
+        <p:fade/>
+      </p:transition>
+    </mc:Fallback>
+  </mc:AlternateContent>
+  <p:timing>
+    <p:tnLst>
+      <p:par>
+        <p:cTn id="1" dur="indefinite" restart="never" nodeType="tmRoot"/>
+      </p:par>
+    </p:tnLst>
+  </p:timing>
+</p:sld>
+</file>
+
+<file path=ppt/slides/slide12.xml><?xml version="1.0" encoding="utf-8"?>
+<p:sld xmlns:a="http://schemas.openxmlformats.org/drawingml/2006/main" xmlns:r="http://schemas.openxmlformats.org/officeDocument/2006/relationships" xmlns:p="http://schemas.openxmlformats.org/presentationml/2006/main">
+  <p:cSld>
+    <p:spTree>
+      <p:nvGrpSpPr>
+        <p:cNvPr id="1" name=""/>
+        <p:cNvGrpSpPr/>
+        <p:nvPr/>
+      </p:nvGrpSpPr>
+      <p:grpSpPr>
+        <a:xfrm>
+          <a:off x="0" y="0"/>
+          <a:ext cx="0" cy="0"/>
+          <a:chOff x="0" y="0"/>
+          <a:chExt cx="0" cy="0"/>
+        </a:xfrm>
+      </p:grpSpPr>
+      <p:sp>
+        <p:nvSpPr>
+          <p:cNvPr id="2" name="Title 1"/>
+          <p:cNvSpPr>
+            <a:spLocks noGrp="1"/>
+          </p:cNvSpPr>
+          <p:nvPr>
+            <p:ph type="title"/>
+          </p:nvPr>
+        </p:nvSpPr>
+        <p:spPr>
+          <a:xfrm>
+            <a:off x="261764" y="0"/>
+            <a:ext cx="10157354" cy="822194"/>
+          </a:xfrm>
+        </p:spPr>
+        <p:txBody>
+          <a:bodyPr/>
+          <a:lstStyle/>
+          <a:p>
+            <a:r>
+              <a:rPr lang="en-US" dirty="0" err="1" smtClean="0"/>
+              <a:t>Protótipos</a:t>
+            </a:r>
+            <a:r>
+              <a:rPr lang="en-US" dirty="0" smtClean="0"/>
+              <a:t> – </a:t>
+            </a:r>
+            <a:r>
+              <a:rPr lang="en-US" dirty="0" err="1" smtClean="0"/>
+              <a:t>Tela</a:t>
+            </a:r>
+            <a:r>
+              <a:rPr lang="en-US" dirty="0" smtClean="0"/>
+              <a:t> de </a:t>
+            </a:r>
+            <a:r>
+              <a:rPr lang="en-US" dirty="0" err="1" smtClean="0"/>
+              <a:t>histórico</a:t>
+            </a:r>
+            <a:endParaRPr lang="en-US" dirty="0"/>
+          </a:p>
+        </p:txBody>
+      </p:sp>
+      <p:pic>
+        <p:nvPicPr>
+          <p:cNvPr id="3" name="Picture 2"/>
+          <p:cNvPicPr>
+            <a:picLocks noChangeAspect="1"/>
+          </p:cNvPicPr>
+          <p:nvPr/>
+        </p:nvPicPr>
+        <p:blipFill>
+          <a:blip r:embed="rId3">
+            <a:extLst>
+              <a:ext uri="{28A0092B-C50C-407E-A947-70E740481C1C}">
+                <a14:useLocalDpi xmlns:a14="http://schemas.microsoft.com/office/drawing/2010/main" val="0"/>
+              </a:ext>
+            </a:extLst>
+          </a:blip>
+          <a:stretch>
+            <a:fillRect/>
+          </a:stretch>
+        </p:blipFill>
+        <p:spPr>
+          <a:xfrm>
+            <a:off x="2566020" y="1772816"/>
+            <a:ext cx="7534275" cy="4391025"/>
+          </a:xfrm>
+          <a:prstGeom prst="rect">
+            <a:avLst/>
+          </a:prstGeom>
+        </p:spPr>
+      </p:pic>
+    </p:spTree>
+    <p:extLst>
+      <p:ext uri="{BB962C8B-B14F-4D97-AF65-F5344CB8AC3E}">
+        <p14:creationId xmlns:p14="http://schemas.microsoft.com/office/powerpoint/2010/main" val="617373260"/>
       </p:ext>
     </p:extLst>
   </p:cSld>
@@ -5987,7 +6878,15 @@
           <a:p>
             <a:r>
               <a:rPr lang="pt-BR" sz="2000" dirty="0" smtClean="0"/>
-              <a:t>Diminuir o desperdício de materiais didáticos e consequentemente, diminuir o desperdício de recusos públicos</a:t>
+              <a:t>Diminuir o desperdício de </a:t>
+            </a:r>
+            <a:r>
+              <a:rPr lang="pt-BR" sz="2000" dirty="0" smtClean="0"/>
+              <a:t>livros </a:t>
+            </a:r>
+            <a:r>
+              <a:rPr lang="pt-BR" sz="2000" dirty="0" smtClean="0"/>
+              <a:t>didáticos e consequentemente, diminuir o desperdício de recusos públicos</a:t>
             </a:r>
           </a:p>
         </p:txBody>
@@ -5996,6 +6895,457 @@
     <p:extLst>
       <p:ext uri="{BB962C8B-B14F-4D97-AF65-F5344CB8AC3E}">
         <p14:creationId xmlns:p14="http://schemas.microsoft.com/office/powerpoint/2010/main" val="81218348"/>
+      </p:ext>
+    </p:extLst>
+  </p:cSld>
+  <p:clrMapOvr>
+    <a:masterClrMapping/>
+  </p:clrMapOvr>
+  <mc:AlternateContent xmlns:mc="http://schemas.openxmlformats.org/markup-compatibility/2006" xmlns:p14="http://schemas.microsoft.com/office/powerpoint/2010/main">
+    <mc:Choice Requires="p14">
+      <p:transition spd="med" p14:dur="700">
+        <p:fade/>
+      </p:transition>
+    </mc:Choice>
+    <mc:Fallback xmlns="">
+      <p:transition spd="med">
+        <p:fade/>
+      </p:transition>
+    </mc:Fallback>
+  </mc:AlternateContent>
+  <p:timing>
+    <p:tnLst>
+      <p:par>
+        <p:cTn id="1" dur="indefinite" restart="never" nodeType="tmRoot"/>
+      </p:par>
+    </p:tnLst>
+  </p:timing>
+</p:sld>
+</file>
+
+<file path=ppt/slides/slide7.xml><?xml version="1.0" encoding="utf-8"?>
+<p:sld xmlns:a="http://schemas.openxmlformats.org/drawingml/2006/main" xmlns:r="http://schemas.openxmlformats.org/officeDocument/2006/relationships" xmlns:p="http://schemas.openxmlformats.org/presentationml/2006/main">
+  <p:cSld>
+    <p:spTree>
+      <p:nvGrpSpPr>
+        <p:cNvPr id="1" name=""/>
+        <p:cNvGrpSpPr/>
+        <p:nvPr/>
+      </p:nvGrpSpPr>
+      <p:grpSpPr>
+        <a:xfrm>
+          <a:off x="0" y="0"/>
+          <a:ext cx="0" cy="0"/>
+          <a:chOff x="0" y="0"/>
+          <a:chExt cx="0" cy="0"/>
+        </a:xfrm>
+      </p:grpSpPr>
+      <p:sp>
+        <p:nvSpPr>
+          <p:cNvPr id="2" name="Title 1"/>
+          <p:cNvSpPr>
+            <a:spLocks noGrp="1"/>
+          </p:cNvSpPr>
+          <p:nvPr>
+            <p:ph type="title"/>
+          </p:nvPr>
+        </p:nvSpPr>
+        <p:spPr>
+          <a:xfrm>
+            <a:off x="261764" y="0"/>
+            <a:ext cx="6912768" cy="908720"/>
+          </a:xfrm>
+        </p:spPr>
+        <p:txBody>
+          <a:bodyPr/>
+          <a:lstStyle/>
+          <a:p>
+            <a:r>
+              <a:rPr lang="en-US" dirty="0" err="1" smtClean="0"/>
+              <a:t>Atividades</a:t>
+            </a:r>
+            <a:r>
+              <a:rPr lang="en-US" dirty="0" smtClean="0"/>
+              <a:t> </a:t>
+            </a:r>
+            <a:r>
+              <a:rPr lang="en-US" dirty="0" err="1" smtClean="0"/>
+              <a:t>Guia</a:t>
+            </a:r>
+            <a:endParaRPr lang="en-US" dirty="0"/>
+          </a:p>
+        </p:txBody>
+      </p:sp>
+      <p:sp>
+        <p:nvSpPr>
+          <p:cNvPr id="4" name="Title 1"/>
+          <p:cNvSpPr txBox="1">
+            <a:spLocks/>
+          </p:cNvSpPr>
+          <p:nvPr/>
+        </p:nvSpPr>
+        <p:spPr>
+          <a:xfrm>
+            <a:off x="231328" y="1340768"/>
+            <a:ext cx="8095332" cy="3240360"/>
+          </a:xfrm>
+          <a:prstGeom prst="rect">
+            <a:avLst/>
+          </a:prstGeom>
+        </p:spPr>
+        <p:txBody>
+          <a:bodyPr vert="horz" lIns="121899" tIns="60949" rIns="121899" bIns="60949" rtlCol="0" anchor="t">
+            <a:noAutofit/>
+          </a:bodyPr>
+          <a:lstStyle>
+            <a:lvl1pPr algn="l" defTabSz="1218987" rtl="0" eaLnBrk="1" latinLnBrk="0" hangingPunct="1">
+              <a:lnSpc>
+                <a:spcPct val="85000"/>
+              </a:lnSpc>
+              <a:spcBef>
+                <a:spcPct val="0"/>
+              </a:spcBef>
+              <a:buNone/>
+              <a:tabLst/>
+              <a:defRPr sz="5400" b="0" kern="1200" cap="none" baseline="0">
+                <a:solidFill>
+                  <a:schemeClr val="tx1"/>
+                </a:solidFill>
+                <a:latin typeface="+mj-lt"/>
+                <a:ea typeface="+mj-ea"/>
+                <a:cs typeface="+mj-cs"/>
+              </a:defRPr>
+            </a:lvl1pPr>
+          </a:lstStyle>
+          <a:p>
+            <a:r>
+              <a:rPr lang="pt-BR" sz="2000" dirty="0"/>
+              <a:t>1 </a:t>
+            </a:r>
+            <a:r>
+              <a:rPr lang="pt-BR" sz="2000" dirty="0" smtClean="0"/>
+              <a:t>– </a:t>
+            </a:r>
+            <a:r>
+              <a:rPr lang="pt-BR" sz="2000" b="1" dirty="0" smtClean="0"/>
+              <a:t>Lei ferente à descarte de Livros: </a:t>
+            </a:r>
+            <a:r>
+              <a:rPr lang="pt-BR" sz="2000" dirty="0" smtClean="0"/>
+              <a:t>Resolução/CD/FNDE </a:t>
+            </a:r>
+            <a:r>
+              <a:rPr lang="pt-BR" sz="2000" dirty="0"/>
+              <a:t>nº 42, de 28 de agosto de </a:t>
+            </a:r>
+            <a:r>
+              <a:rPr lang="pt-BR" sz="2000" dirty="0" smtClean="0"/>
+              <a:t>2012</a:t>
+            </a:r>
+          </a:p>
+          <a:p>
+            <a:r>
+              <a:rPr lang="pt-BR" sz="2000" b="1" dirty="0" smtClean="0"/>
+              <a:t>Parágrafos n e o</a:t>
+            </a:r>
+            <a:r>
+              <a:rPr lang="pt-BR" sz="2000" dirty="0" smtClean="0"/>
+              <a:t>:</a:t>
+            </a:r>
+          </a:p>
+          <a:p>
+            <a:r>
+              <a:rPr lang="pt-BR" sz="2000" dirty="0"/>
+              <a:t>n) orientar e acompanhar o adequado descarte de livros após decorrido o prazo trienal de utilização, inclusive por meio de normas </a:t>
+            </a:r>
+            <a:r>
+              <a:rPr lang="pt-BR" sz="2000" dirty="0" smtClean="0"/>
+              <a:t>próprias;</a:t>
+            </a:r>
+            <a:endParaRPr lang="pt-BR" sz="2000" dirty="0"/>
+          </a:p>
+          <a:p>
+            <a:r>
+              <a:rPr lang="pt-BR" sz="2000" dirty="0"/>
+              <a:t>o) propor, implantar e implementar ações que possam contribuir para a melhoria da execução do </a:t>
+            </a:r>
+            <a:r>
+              <a:rPr lang="pt-BR" sz="2000" dirty="0" smtClean="0"/>
+              <a:t>Programa</a:t>
+            </a:r>
+            <a:r>
+              <a:rPr lang="pt-BR" sz="2000" dirty="0"/>
+              <a:t>.</a:t>
+            </a:r>
+            <a:endParaRPr lang="pt-BR" sz="2000" dirty="0" smtClean="0"/>
+          </a:p>
+          <a:p>
+            <a:endParaRPr lang="pt-BR" sz="2000" dirty="0"/>
+          </a:p>
+          <a:p>
+            <a:r>
+              <a:rPr lang="pt-BR" sz="2000" dirty="0" smtClean="0"/>
+              <a:t>2 – Pesquisa com coordenadores/professores para entendimento do escopo:</a:t>
+            </a:r>
+          </a:p>
+          <a:p>
+            <a:r>
+              <a:rPr lang="pt-BR" sz="2000" dirty="0">
+                <a:hlinkClick r:id="rId3"/>
+              </a:rPr>
+              <a:t>https://</a:t>
+            </a:r>
+            <a:r>
+              <a:rPr lang="pt-BR" sz="2000" dirty="0" smtClean="0">
+                <a:hlinkClick r:id="rId3"/>
+              </a:rPr>
+              <a:t>forms.gle/R7E6wqdUrnSgiBXU7</a:t>
+            </a:r>
+            <a:endParaRPr lang="pt-BR" sz="2000" dirty="0" smtClean="0"/>
+          </a:p>
+          <a:p>
+            <a:endParaRPr lang="pt-BR" sz="2000" dirty="0" smtClean="0"/>
+          </a:p>
+        </p:txBody>
+      </p:sp>
+    </p:spTree>
+    <p:extLst>
+      <p:ext uri="{BB962C8B-B14F-4D97-AF65-F5344CB8AC3E}">
+        <p14:creationId xmlns:p14="http://schemas.microsoft.com/office/powerpoint/2010/main" val="399216140"/>
+      </p:ext>
+    </p:extLst>
+  </p:cSld>
+  <p:clrMapOvr>
+    <a:masterClrMapping/>
+  </p:clrMapOvr>
+  <mc:AlternateContent xmlns:mc="http://schemas.openxmlformats.org/markup-compatibility/2006" xmlns:p14="http://schemas.microsoft.com/office/powerpoint/2010/main">
+    <mc:Choice Requires="p14">
+      <p:transition spd="med" p14:dur="700">
+        <p:fade/>
+      </p:transition>
+    </mc:Choice>
+    <mc:Fallback xmlns="">
+      <p:transition spd="med">
+        <p:fade/>
+      </p:transition>
+    </mc:Fallback>
+  </mc:AlternateContent>
+  <p:timing>
+    <p:tnLst>
+      <p:par>
+        <p:cTn id="1" dur="indefinite" restart="never" nodeType="tmRoot"/>
+      </p:par>
+    </p:tnLst>
+  </p:timing>
+</p:sld>
+</file>
+
+<file path=ppt/slides/slide8.xml><?xml version="1.0" encoding="utf-8"?>
+<p:sld xmlns:a="http://schemas.openxmlformats.org/drawingml/2006/main" xmlns:r="http://schemas.openxmlformats.org/officeDocument/2006/relationships" xmlns:p="http://schemas.openxmlformats.org/presentationml/2006/main">
+  <p:cSld>
+    <p:spTree>
+      <p:nvGrpSpPr>
+        <p:cNvPr id="1" name=""/>
+        <p:cNvGrpSpPr/>
+        <p:nvPr/>
+      </p:nvGrpSpPr>
+      <p:grpSpPr>
+        <a:xfrm>
+          <a:off x="0" y="0"/>
+          <a:ext cx="0" cy="0"/>
+          <a:chOff x="0" y="0"/>
+          <a:chExt cx="0" cy="0"/>
+        </a:xfrm>
+      </p:grpSpPr>
+      <p:sp>
+        <p:nvSpPr>
+          <p:cNvPr id="2" name="Title 1"/>
+          <p:cNvSpPr>
+            <a:spLocks noGrp="1"/>
+          </p:cNvSpPr>
+          <p:nvPr>
+            <p:ph type="title"/>
+          </p:nvPr>
+        </p:nvSpPr>
+        <p:spPr>
+          <a:xfrm>
+            <a:off x="261764" y="0"/>
+            <a:ext cx="10157354" cy="822194"/>
+          </a:xfrm>
+        </p:spPr>
+        <p:txBody>
+          <a:bodyPr/>
+          <a:lstStyle/>
+          <a:p>
+            <a:r>
+              <a:rPr lang="en-US" dirty="0" err="1" smtClean="0"/>
+              <a:t>Protótipos</a:t>
+            </a:r>
+            <a:r>
+              <a:rPr lang="en-US" dirty="0" smtClean="0"/>
+              <a:t> – Login</a:t>
+            </a:r>
+            <a:endParaRPr lang="en-US" dirty="0"/>
+          </a:p>
+        </p:txBody>
+      </p:sp>
+      <p:pic>
+        <p:nvPicPr>
+          <p:cNvPr id="6" name="Picture 5"/>
+          <p:cNvPicPr>
+            <a:picLocks noChangeAspect="1"/>
+          </p:cNvPicPr>
+          <p:nvPr/>
+        </p:nvPicPr>
+        <p:blipFill>
+          <a:blip r:embed="rId3">
+            <a:extLst>
+              <a:ext uri="{28A0092B-C50C-407E-A947-70E740481C1C}">
+                <a14:useLocalDpi xmlns:a14="http://schemas.microsoft.com/office/drawing/2010/main" val="0"/>
+              </a:ext>
+            </a:extLst>
+          </a:blip>
+          <a:stretch>
+            <a:fillRect/>
+          </a:stretch>
+        </p:blipFill>
+        <p:spPr>
+          <a:xfrm>
+            <a:off x="2277988" y="1484784"/>
+            <a:ext cx="7534275" cy="4391025"/>
+          </a:xfrm>
+          <a:prstGeom prst="rect">
+            <a:avLst/>
+          </a:prstGeom>
+        </p:spPr>
+      </p:pic>
+    </p:spTree>
+    <p:extLst>
+      <p:ext uri="{BB962C8B-B14F-4D97-AF65-F5344CB8AC3E}">
+        <p14:creationId xmlns:p14="http://schemas.microsoft.com/office/powerpoint/2010/main" val="1869923697"/>
+      </p:ext>
+    </p:extLst>
+  </p:cSld>
+  <p:clrMapOvr>
+    <a:masterClrMapping/>
+  </p:clrMapOvr>
+  <mc:AlternateContent xmlns:mc="http://schemas.openxmlformats.org/markup-compatibility/2006" xmlns:p14="http://schemas.microsoft.com/office/powerpoint/2010/main">
+    <mc:Choice Requires="p14">
+      <p:transition spd="med" p14:dur="700">
+        <p:fade/>
+      </p:transition>
+    </mc:Choice>
+    <mc:Fallback xmlns="">
+      <p:transition spd="med">
+        <p:fade/>
+      </p:transition>
+    </mc:Fallback>
+  </mc:AlternateContent>
+  <p:timing>
+    <p:tnLst>
+      <p:par>
+        <p:cTn id="1" dur="indefinite" restart="never" nodeType="tmRoot"/>
+      </p:par>
+    </p:tnLst>
+  </p:timing>
+</p:sld>
+</file>
+
+<file path=ppt/slides/slide9.xml><?xml version="1.0" encoding="utf-8"?>
+<p:sld xmlns:a="http://schemas.openxmlformats.org/drawingml/2006/main" xmlns:r="http://schemas.openxmlformats.org/officeDocument/2006/relationships" xmlns:p="http://schemas.openxmlformats.org/presentationml/2006/main">
+  <p:cSld>
+    <p:spTree>
+      <p:nvGrpSpPr>
+        <p:cNvPr id="1" name=""/>
+        <p:cNvGrpSpPr/>
+        <p:nvPr/>
+      </p:nvGrpSpPr>
+      <p:grpSpPr>
+        <a:xfrm>
+          <a:off x="0" y="0"/>
+          <a:ext cx="0" cy="0"/>
+          <a:chOff x="0" y="0"/>
+          <a:chExt cx="0" cy="0"/>
+        </a:xfrm>
+      </p:grpSpPr>
+      <p:sp>
+        <p:nvSpPr>
+          <p:cNvPr id="2" name="Title 1"/>
+          <p:cNvSpPr>
+            <a:spLocks noGrp="1"/>
+          </p:cNvSpPr>
+          <p:nvPr>
+            <p:ph type="title"/>
+          </p:nvPr>
+        </p:nvSpPr>
+        <p:spPr>
+          <a:xfrm>
+            <a:off x="261764" y="0"/>
+            <a:ext cx="10157354" cy="822194"/>
+          </a:xfrm>
+        </p:spPr>
+        <p:txBody>
+          <a:bodyPr/>
+          <a:lstStyle/>
+          <a:p>
+            <a:r>
+              <a:rPr lang="en-US" dirty="0" err="1" smtClean="0"/>
+              <a:t>Protótipos</a:t>
+            </a:r>
+            <a:r>
+              <a:rPr lang="en-US" dirty="0" smtClean="0"/>
+              <a:t> – </a:t>
+            </a:r>
+            <a:r>
+              <a:rPr lang="en-US" dirty="0" err="1" smtClean="0"/>
+              <a:t>Tela</a:t>
+            </a:r>
+            <a:r>
+              <a:rPr lang="en-US" dirty="0" smtClean="0"/>
+              <a:t> </a:t>
+            </a:r>
+            <a:r>
+              <a:rPr lang="en-US" dirty="0" err="1" smtClean="0"/>
+              <a:t>inicial</a:t>
+            </a:r>
+            <a:endParaRPr lang="en-US" dirty="0"/>
+          </a:p>
+        </p:txBody>
+      </p:sp>
+      <p:pic>
+        <p:nvPicPr>
+          <p:cNvPr id="3" name="Picture 2"/>
+          <p:cNvPicPr>
+            <a:picLocks noChangeAspect="1"/>
+          </p:cNvPicPr>
+          <p:nvPr/>
+        </p:nvPicPr>
+        <p:blipFill>
+          <a:blip r:embed="rId3">
+            <a:extLst>
+              <a:ext uri="{28A0092B-C50C-407E-A947-70E740481C1C}">
+                <a14:useLocalDpi xmlns:a14="http://schemas.microsoft.com/office/drawing/2010/main" val="0"/>
+              </a:ext>
+            </a:extLst>
+          </a:blip>
+          <a:stretch>
+            <a:fillRect/>
+          </a:stretch>
+        </p:blipFill>
+        <p:spPr>
+          <a:xfrm>
+            <a:off x="2205980" y="1628800"/>
+            <a:ext cx="7543800" cy="4400550"/>
+          </a:xfrm>
+          <a:prstGeom prst="rect">
+            <a:avLst/>
+          </a:prstGeom>
+        </p:spPr>
+      </p:pic>
+    </p:spTree>
+    <p:extLst>
+      <p:ext uri="{BB962C8B-B14F-4D97-AF65-F5344CB8AC3E}">
+        <p14:creationId xmlns:p14="http://schemas.microsoft.com/office/powerpoint/2010/main" val="3346668833"/>
       </p:ext>
     </p:extLst>
   </p:cSld>
